--- a/Documents/Gantts.pptx
+++ b/Documents/Gantts.pptx
@@ -262,7 +262,7 @@
           <a:p>
             <a:fld id="{B1F104C1-3154-4358-B985-C4707E178012}" type="datetimeFigureOut">
               <a:rPr lang="en-GB" smtClean="0"/>
-              <a:t>30/11/2019</a:t>
+              <a:t>10/12/2019</a:t>
             </a:fld>
             <a:endParaRPr lang="en-GB"/>
           </a:p>
@@ -462,7 +462,7 @@
           <a:p>
             <a:fld id="{B1F104C1-3154-4358-B985-C4707E178012}" type="datetimeFigureOut">
               <a:rPr lang="en-GB" smtClean="0"/>
-              <a:t>30/11/2019</a:t>
+              <a:t>10/12/2019</a:t>
             </a:fld>
             <a:endParaRPr lang="en-GB"/>
           </a:p>
@@ -672,7 +672,7 @@
           <a:p>
             <a:fld id="{B1F104C1-3154-4358-B985-C4707E178012}" type="datetimeFigureOut">
               <a:rPr lang="en-GB" smtClean="0"/>
-              <a:t>30/11/2019</a:t>
+              <a:t>10/12/2019</a:t>
             </a:fld>
             <a:endParaRPr lang="en-GB"/>
           </a:p>
@@ -872,7 +872,7 @@
           <a:p>
             <a:fld id="{B1F104C1-3154-4358-B985-C4707E178012}" type="datetimeFigureOut">
               <a:rPr lang="en-GB" smtClean="0"/>
-              <a:t>30/11/2019</a:t>
+              <a:t>10/12/2019</a:t>
             </a:fld>
             <a:endParaRPr lang="en-GB"/>
           </a:p>
@@ -1148,7 +1148,7 @@
           <a:p>
             <a:fld id="{B1F104C1-3154-4358-B985-C4707E178012}" type="datetimeFigureOut">
               <a:rPr lang="en-GB" smtClean="0"/>
-              <a:t>30/11/2019</a:t>
+              <a:t>10/12/2019</a:t>
             </a:fld>
             <a:endParaRPr lang="en-GB"/>
           </a:p>
@@ -1416,7 +1416,7 @@
           <a:p>
             <a:fld id="{B1F104C1-3154-4358-B985-C4707E178012}" type="datetimeFigureOut">
               <a:rPr lang="en-GB" smtClean="0"/>
-              <a:t>30/11/2019</a:t>
+              <a:t>10/12/2019</a:t>
             </a:fld>
             <a:endParaRPr lang="en-GB"/>
           </a:p>
@@ -1831,7 +1831,7 @@
           <a:p>
             <a:fld id="{B1F104C1-3154-4358-B985-C4707E178012}" type="datetimeFigureOut">
               <a:rPr lang="en-GB" smtClean="0"/>
-              <a:t>30/11/2019</a:t>
+              <a:t>10/12/2019</a:t>
             </a:fld>
             <a:endParaRPr lang="en-GB"/>
           </a:p>
@@ -1973,7 +1973,7 @@
           <a:p>
             <a:fld id="{B1F104C1-3154-4358-B985-C4707E178012}" type="datetimeFigureOut">
               <a:rPr lang="en-GB" smtClean="0"/>
-              <a:t>30/11/2019</a:t>
+              <a:t>10/12/2019</a:t>
             </a:fld>
             <a:endParaRPr lang="en-GB"/>
           </a:p>
@@ -2086,7 +2086,7 @@
           <a:p>
             <a:fld id="{B1F104C1-3154-4358-B985-C4707E178012}" type="datetimeFigureOut">
               <a:rPr lang="en-GB" smtClean="0"/>
-              <a:t>30/11/2019</a:t>
+              <a:t>10/12/2019</a:t>
             </a:fld>
             <a:endParaRPr lang="en-GB"/>
           </a:p>
@@ -2399,7 +2399,7 @@
           <a:p>
             <a:fld id="{B1F104C1-3154-4358-B985-C4707E178012}" type="datetimeFigureOut">
               <a:rPr lang="en-GB" smtClean="0"/>
-              <a:t>30/11/2019</a:t>
+              <a:t>10/12/2019</a:t>
             </a:fld>
             <a:endParaRPr lang="en-GB"/>
           </a:p>
@@ -2688,7 +2688,7 @@
           <a:p>
             <a:fld id="{B1F104C1-3154-4358-B985-C4707E178012}" type="datetimeFigureOut">
               <a:rPr lang="en-GB" smtClean="0"/>
-              <a:t>30/11/2019</a:t>
+              <a:t>10/12/2019</a:t>
             </a:fld>
             <a:endParaRPr lang="en-GB"/>
           </a:p>
@@ -2931,7 +2931,7 @@
           <a:p>
             <a:fld id="{B1F104C1-3154-4358-B985-C4707E178012}" type="datetimeFigureOut">
               <a:rPr lang="en-GB" smtClean="0"/>
-              <a:t>30/11/2019</a:t>
+              <a:t>10/12/2019</a:t>
             </a:fld>
             <a:endParaRPr lang="en-GB"/>
           </a:p>
@@ -3372,45 +3372,21 @@
           <a:prstGeom prst="rect">
             <a:avLst/>
           </a:prstGeom>
-          <a:solidFill>
-            <a:schemeClr val="dk2">
-              <a:alpha val="14902"/>
-            </a:schemeClr>
-          </a:solidFill>
-          <a:ln w="12700" cap="flat" cmpd="sng" algn="ctr">
-            <a:noFill/>
-            <a:prstDash val="solid"/>
-            <a:miter lim="800000"/>
-          </a:ln>
-          <a:effectLst/>
-          <a:extLst>
-            <a:ext uri="{91240B29-F687-4F45-9708-019B960494DF}">
-              <a14:hiddenLine xmlns:a14="http://schemas.microsoft.com/office/drawing/2010/main" w="12700" cap="flat" cmpd="sng" algn="ctr">
-                <a:solidFill>
-                  <a:schemeClr val="accent1">
-                    <a:shade val="50000"/>
-                  </a:schemeClr>
-                </a:solidFill>
-                <a:prstDash val="solid"/>
-                <a:miter lim="800000"/>
-              </a14:hiddenLine>
-            </a:ext>
-          </a:extLst>
+          <a:ln/>
+          <a:extLst/>
         </p:spPr>
         <p:style>
           <a:lnRef idx="2">
-            <a:schemeClr val="accent1">
-              <a:shade val="50000"/>
-            </a:schemeClr>
+            <a:schemeClr val="dk1"/>
           </a:lnRef>
           <a:fillRef idx="1">
-            <a:schemeClr val="accent1"/>
+            <a:schemeClr val="lt1"/>
           </a:fillRef>
           <a:effectRef idx="0">
-            <a:schemeClr val="accent1"/>
+            <a:schemeClr val="dk1"/>
           </a:effectRef>
           <a:fontRef idx="minor">
-            <a:schemeClr val="lt1"/>
+            <a:schemeClr val="dk1"/>
           </a:fontRef>
         </p:style>
         <p:txBody>
@@ -3446,45 +3422,21 @@
           <a:prstGeom prst="rect">
             <a:avLst/>
           </a:prstGeom>
-          <a:solidFill>
-            <a:schemeClr val="accent1">
-              <a:alpha val="14902"/>
-            </a:schemeClr>
-          </a:solidFill>
-          <a:ln w="12700" cap="flat" cmpd="sng" algn="ctr">
-            <a:noFill/>
-            <a:prstDash val="solid"/>
-            <a:miter lim="800000"/>
-          </a:ln>
-          <a:effectLst/>
-          <a:extLst>
-            <a:ext uri="{91240B29-F687-4F45-9708-019B960494DF}">
-              <a14:hiddenLine xmlns:a14="http://schemas.microsoft.com/office/drawing/2010/main" w="12700" cap="flat" cmpd="sng" algn="ctr">
-                <a:solidFill>
-                  <a:schemeClr val="accent1">
-                    <a:shade val="50000"/>
-                  </a:schemeClr>
-                </a:solidFill>
-                <a:prstDash val="solid"/>
-                <a:miter lim="800000"/>
-              </a14:hiddenLine>
-            </a:ext>
-          </a:extLst>
+          <a:ln/>
+          <a:extLst/>
         </p:spPr>
         <p:style>
           <a:lnRef idx="2">
-            <a:schemeClr val="accent1">
-              <a:shade val="50000"/>
-            </a:schemeClr>
+            <a:schemeClr val="dk1"/>
           </a:lnRef>
           <a:fillRef idx="1">
-            <a:schemeClr val="accent1"/>
+            <a:schemeClr val="lt1"/>
           </a:fillRef>
           <a:effectRef idx="0">
-            <a:schemeClr val="accent1"/>
+            <a:schemeClr val="dk1"/>
           </a:effectRef>
           <a:fontRef idx="minor">
-            <a:schemeClr val="lt1"/>
+            <a:schemeClr val="dk1"/>
           </a:fontRef>
         </p:style>
         <p:txBody>
@@ -3520,45 +3472,21 @@
           <a:prstGeom prst="rect">
             <a:avLst/>
           </a:prstGeom>
-          <a:solidFill>
-            <a:schemeClr val="accent2">
-              <a:alpha val="14902"/>
-            </a:schemeClr>
-          </a:solidFill>
-          <a:ln w="12700" cap="flat" cmpd="sng" algn="ctr">
-            <a:noFill/>
-            <a:prstDash val="solid"/>
-            <a:miter lim="800000"/>
-          </a:ln>
-          <a:effectLst/>
-          <a:extLst>
-            <a:ext uri="{91240B29-F687-4F45-9708-019B960494DF}">
-              <a14:hiddenLine xmlns:a14="http://schemas.microsoft.com/office/drawing/2010/main" w="12700" cap="flat" cmpd="sng" algn="ctr">
-                <a:solidFill>
-                  <a:schemeClr val="accent1">
-                    <a:shade val="50000"/>
-                  </a:schemeClr>
-                </a:solidFill>
-                <a:prstDash val="solid"/>
-                <a:miter lim="800000"/>
-              </a14:hiddenLine>
-            </a:ext>
-          </a:extLst>
+          <a:ln/>
+          <a:extLst/>
         </p:spPr>
         <p:style>
           <a:lnRef idx="2">
-            <a:schemeClr val="accent1">
-              <a:shade val="50000"/>
-            </a:schemeClr>
+            <a:schemeClr val="dk1"/>
           </a:lnRef>
           <a:fillRef idx="1">
-            <a:schemeClr val="accent1"/>
+            <a:schemeClr val="lt1"/>
           </a:fillRef>
           <a:effectRef idx="0">
-            <a:schemeClr val="accent1"/>
+            <a:schemeClr val="dk1"/>
           </a:effectRef>
           <a:fontRef idx="minor">
-            <a:schemeClr val="lt1"/>
+            <a:schemeClr val="dk1"/>
           </a:fontRef>
         </p:style>
         <p:txBody>
@@ -3594,45 +3522,21 @@
           <a:prstGeom prst="rect">
             <a:avLst/>
           </a:prstGeom>
-          <a:solidFill>
-            <a:schemeClr val="accent3">
-              <a:alpha val="14902"/>
-            </a:schemeClr>
-          </a:solidFill>
-          <a:ln w="12700" cap="flat" cmpd="sng" algn="ctr">
-            <a:noFill/>
-            <a:prstDash val="solid"/>
-            <a:miter lim="800000"/>
-          </a:ln>
-          <a:effectLst/>
-          <a:extLst>
-            <a:ext uri="{91240B29-F687-4F45-9708-019B960494DF}">
-              <a14:hiddenLine xmlns:a14="http://schemas.microsoft.com/office/drawing/2010/main" w="12700" cap="flat" cmpd="sng" algn="ctr">
-                <a:solidFill>
-                  <a:schemeClr val="accent1">
-                    <a:shade val="50000"/>
-                  </a:schemeClr>
-                </a:solidFill>
-                <a:prstDash val="solid"/>
-                <a:miter lim="800000"/>
-              </a14:hiddenLine>
-            </a:ext>
-          </a:extLst>
+          <a:ln/>
+          <a:extLst/>
         </p:spPr>
         <p:style>
           <a:lnRef idx="2">
-            <a:schemeClr val="accent1">
-              <a:shade val="50000"/>
-            </a:schemeClr>
+            <a:schemeClr val="dk1"/>
           </a:lnRef>
           <a:fillRef idx="1">
-            <a:schemeClr val="accent1"/>
+            <a:schemeClr val="lt1"/>
           </a:fillRef>
           <a:effectRef idx="0">
-            <a:schemeClr val="accent1"/>
+            <a:schemeClr val="dk1"/>
           </a:effectRef>
           <a:fontRef idx="minor">
-            <a:schemeClr val="lt1"/>
+            <a:schemeClr val="dk1"/>
           </a:fontRef>
         </p:style>
         <p:txBody>
@@ -3668,45 +3572,21 @@
           <a:prstGeom prst="rect">
             <a:avLst/>
           </a:prstGeom>
-          <a:solidFill>
-            <a:schemeClr val="accent4">
-              <a:alpha val="14902"/>
-            </a:schemeClr>
-          </a:solidFill>
-          <a:ln w="12700" cap="flat" cmpd="sng" algn="ctr">
-            <a:noFill/>
-            <a:prstDash val="solid"/>
-            <a:miter lim="800000"/>
-          </a:ln>
-          <a:effectLst/>
-          <a:extLst>
-            <a:ext uri="{91240B29-F687-4F45-9708-019B960494DF}">
-              <a14:hiddenLine xmlns:a14="http://schemas.microsoft.com/office/drawing/2010/main" w="12700" cap="flat" cmpd="sng" algn="ctr">
-                <a:solidFill>
-                  <a:schemeClr val="accent1">
-                    <a:shade val="50000"/>
-                  </a:schemeClr>
-                </a:solidFill>
-                <a:prstDash val="solid"/>
-                <a:miter lim="800000"/>
-              </a14:hiddenLine>
-            </a:ext>
-          </a:extLst>
+          <a:ln/>
+          <a:extLst/>
         </p:spPr>
         <p:style>
           <a:lnRef idx="2">
-            <a:schemeClr val="accent1">
-              <a:shade val="50000"/>
-            </a:schemeClr>
+            <a:schemeClr val="dk1"/>
           </a:lnRef>
           <a:fillRef idx="1">
-            <a:schemeClr val="accent1"/>
+            <a:schemeClr val="lt1"/>
           </a:fillRef>
           <a:effectRef idx="0">
-            <a:schemeClr val="accent1"/>
+            <a:schemeClr val="dk1"/>
           </a:effectRef>
           <a:fontRef idx="minor">
-            <a:schemeClr val="lt1"/>
+            <a:schemeClr val="dk1"/>
           </a:fontRef>
         </p:style>
         <p:txBody>
@@ -3898,45 +3778,21 @@
           <a:prstGeom prst="rect">
             <a:avLst/>
           </a:prstGeom>
-          <a:solidFill>
-            <a:schemeClr val="dk2">
-              <a:alpha val="49804"/>
-            </a:schemeClr>
-          </a:solidFill>
-          <a:ln w="12700" cap="flat" cmpd="sng" algn="ctr">
-            <a:noFill/>
-            <a:prstDash val="solid"/>
-            <a:miter lim="800000"/>
-          </a:ln>
-          <a:effectLst/>
-          <a:extLst>
-            <a:ext uri="{91240B29-F687-4F45-9708-019B960494DF}">
-              <a14:hiddenLine xmlns:a14="http://schemas.microsoft.com/office/drawing/2010/main" w="12700" cap="flat" cmpd="sng" algn="ctr">
-                <a:solidFill>
-                  <a:schemeClr val="accent1">
-                    <a:shade val="50000"/>
-                  </a:schemeClr>
-                </a:solidFill>
-                <a:prstDash val="solid"/>
-                <a:miter lim="800000"/>
-              </a14:hiddenLine>
-            </a:ext>
-          </a:extLst>
+          <a:ln/>
+          <a:extLst/>
         </p:spPr>
         <p:style>
           <a:lnRef idx="2">
-            <a:schemeClr val="accent1">
-              <a:shade val="50000"/>
-            </a:schemeClr>
+            <a:schemeClr val="dk1"/>
           </a:lnRef>
           <a:fillRef idx="1">
-            <a:schemeClr val="accent1"/>
+            <a:schemeClr val="lt1"/>
           </a:fillRef>
           <a:effectRef idx="0">
-            <a:schemeClr val="accent1"/>
+            <a:schemeClr val="dk1"/>
           </a:effectRef>
           <a:fontRef idx="minor">
-            <a:schemeClr val="lt1"/>
+            <a:schemeClr val="dk1"/>
           </a:fontRef>
         </p:style>
         <p:txBody>
@@ -3972,45 +3828,21 @@
           <a:prstGeom prst="rect">
             <a:avLst/>
           </a:prstGeom>
-          <a:solidFill>
-            <a:schemeClr val="accent1">
-              <a:alpha val="49804"/>
-            </a:schemeClr>
-          </a:solidFill>
-          <a:ln w="12700" cap="flat" cmpd="sng" algn="ctr">
-            <a:noFill/>
-            <a:prstDash val="solid"/>
-            <a:miter lim="800000"/>
-          </a:ln>
-          <a:effectLst/>
-          <a:extLst>
-            <a:ext uri="{91240B29-F687-4F45-9708-019B960494DF}">
-              <a14:hiddenLine xmlns:a14="http://schemas.microsoft.com/office/drawing/2010/main" w="12700" cap="flat" cmpd="sng" algn="ctr">
-                <a:solidFill>
-                  <a:schemeClr val="accent1">
-                    <a:shade val="50000"/>
-                  </a:schemeClr>
-                </a:solidFill>
-                <a:prstDash val="solid"/>
-                <a:miter lim="800000"/>
-              </a14:hiddenLine>
-            </a:ext>
-          </a:extLst>
+          <a:ln/>
+          <a:extLst/>
         </p:spPr>
         <p:style>
           <a:lnRef idx="2">
-            <a:schemeClr val="accent1">
-              <a:shade val="50000"/>
-            </a:schemeClr>
+            <a:schemeClr val="dk1"/>
           </a:lnRef>
           <a:fillRef idx="1">
-            <a:schemeClr val="accent1"/>
+            <a:schemeClr val="lt1"/>
           </a:fillRef>
           <a:effectRef idx="0">
-            <a:schemeClr val="accent1"/>
+            <a:schemeClr val="dk1"/>
           </a:effectRef>
           <a:fontRef idx="minor">
-            <a:schemeClr val="lt1"/>
+            <a:schemeClr val="dk1"/>
           </a:fontRef>
         </p:style>
         <p:txBody>
@@ -4046,45 +3878,21 @@
           <a:prstGeom prst="rect">
             <a:avLst/>
           </a:prstGeom>
-          <a:solidFill>
-            <a:schemeClr val="accent2">
-              <a:alpha val="49804"/>
-            </a:schemeClr>
-          </a:solidFill>
-          <a:ln w="12700" cap="flat" cmpd="sng" algn="ctr">
-            <a:noFill/>
-            <a:prstDash val="solid"/>
-            <a:miter lim="800000"/>
-          </a:ln>
-          <a:effectLst/>
-          <a:extLst>
-            <a:ext uri="{91240B29-F687-4F45-9708-019B960494DF}">
-              <a14:hiddenLine xmlns:a14="http://schemas.microsoft.com/office/drawing/2010/main" w="12700" cap="flat" cmpd="sng" algn="ctr">
-                <a:solidFill>
-                  <a:schemeClr val="accent1">
-                    <a:shade val="50000"/>
-                  </a:schemeClr>
-                </a:solidFill>
-                <a:prstDash val="solid"/>
-                <a:miter lim="800000"/>
-              </a14:hiddenLine>
-            </a:ext>
-          </a:extLst>
+          <a:ln/>
+          <a:extLst/>
         </p:spPr>
         <p:style>
           <a:lnRef idx="2">
-            <a:schemeClr val="accent1">
-              <a:shade val="50000"/>
-            </a:schemeClr>
+            <a:schemeClr val="dk1"/>
           </a:lnRef>
           <a:fillRef idx="1">
-            <a:schemeClr val="accent1"/>
+            <a:schemeClr val="lt1"/>
           </a:fillRef>
           <a:effectRef idx="0">
-            <a:schemeClr val="accent1"/>
+            <a:schemeClr val="dk1"/>
           </a:effectRef>
           <a:fontRef idx="minor">
-            <a:schemeClr val="lt1"/>
+            <a:schemeClr val="dk1"/>
           </a:fontRef>
         </p:style>
         <p:txBody>
@@ -4120,45 +3928,21 @@
           <a:prstGeom prst="rect">
             <a:avLst/>
           </a:prstGeom>
-          <a:solidFill>
-            <a:schemeClr val="accent3">
-              <a:alpha val="49804"/>
-            </a:schemeClr>
-          </a:solidFill>
-          <a:ln w="12700" cap="flat" cmpd="sng" algn="ctr">
-            <a:noFill/>
-            <a:prstDash val="solid"/>
-            <a:miter lim="800000"/>
-          </a:ln>
-          <a:effectLst/>
-          <a:extLst>
-            <a:ext uri="{91240B29-F687-4F45-9708-019B960494DF}">
-              <a14:hiddenLine xmlns:a14="http://schemas.microsoft.com/office/drawing/2010/main" w="12700" cap="flat" cmpd="sng" algn="ctr">
-                <a:solidFill>
-                  <a:schemeClr val="accent1">
-                    <a:shade val="50000"/>
-                  </a:schemeClr>
-                </a:solidFill>
-                <a:prstDash val="solid"/>
-                <a:miter lim="800000"/>
-              </a14:hiddenLine>
-            </a:ext>
-          </a:extLst>
+          <a:ln/>
+          <a:extLst/>
         </p:spPr>
         <p:style>
           <a:lnRef idx="2">
-            <a:schemeClr val="accent1">
-              <a:shade val="50000"/>
-            </a:schemeClr>
+            <a:schemeClr val="dk1"/>
           </a:lnRef>
           <a:fillRef idx="1">
-            <a:schemeClr val="accent1"/>
+            <a:schemeClr val="lt1"/>
           </a:fillRef>
           <a:effectRef idx="0">
-            <a:schemeClr val="accent1"/>
+            <a:schemeClr val="dk1"/>
           </a:effectRef>
           <a:fontRef idx="minor">
-            <a:schemeClr val="lt1"/>
+            <a:schemeClr val="dk1"/>
           </a:fontRef>
         </p:style>
         <p:txBody>
@@ -4194,45 +3978,21 @@
           <a:prstGeom prst="rect">
             <a:avLst/>
           </a:prstGeom>
-          <a:solidFill>
-            <a:schemeClr val="accent4">
-              <a:alpha val="49804"/>
-            </a:schemeClr>
-          </a:solidFill>
-          <a:ln w="12700" cap="flat" cmpd="sng" algn="ctr">
-            <a:noFill/>
-            <a:prstDash val="solid"/>
-            <a:miter lim="800000"/>
-          </a:ln>
-          <a:effectLst/>
-          <a:extLst>
-            <a:ext uri="{91240B29-F687-4F45-9708-019B960494DF}">
-              <a14:hiddenLine xmlns:a14="http://schemas.microsoft.com/office/drawing/2010/main" w="12700" cap="flat" cmpd="sng" algn="ctr">
-                <a:solidFill>
-                  <a:schemeClr val="accent1">
-                    <a:shade val="50000"/>
-                  </a:schemeClr>
-                </a:solidFill>
-                <a:prstDash val="solid"/>
-                <a:miter lim="800000"/>
-              </a14:hiddenLine>
-            </a:ext>
-          </a:extLst>
+          <a:ln/>
+          <a:extLst/>
         </p:spPr>
         <p:style>
           <a:lnRef idx="2">
-            <a:schemeClr val="accent1">
-              <a:shade val="50000"/>
-            </a:schemeClr>
+            <a:schemeClr val="dk1"/>
           </a:lnRef>
           <a:fillRef idx="1">
-            <a:schemeClr val="accent1"/>
+            <a:schemeClr val="lt1"/>
           </a:fillRef>
           <a:effectRef idx="0">
-            <a:schemeClr val="accent1"/>
+            <a:schemeClr val="dk1"/>
           </a:effectRef>
           <a:fontRef idx="minor">
-            <a:schemeClr val="lt1"/>
+            <a:schemeClr val="dk1"/>
           </a:fontRef>
         </p:style>
         <p:txBody>
@@ -9370,45 +9130,21 @@
           <a:prstGeom prst="rect">
             <a:avLst/>
           </a:prstGeom>
-          <a:solidFill>
-            <a:schemeClr val="dk2">
-              <a:alpha val="14902"/>
-            </a:schemeClr>
-          </a:solidFill>
-          <a:ln w="12700" cap="flat" cmpd="sng" algn="ctr">
-            <a:noFill/>
-            <a:prstDash val="solid"/>
-            <a:miter lim="800000"/>
-          </a:ln>
-          <a:effectLst/>
-          <a:extLst>
-            <a:ext uri="{91240B29-F687-4F45-9708-019B960494DF}">
-              <a14:hiddenLine xmlns:a14="http://schemas.microsoft.com/office/drawing/2010/main" w="12700" cap="flat" cmpd="sng" algn="ctr">
-                <a:solidFill>
-                  <a:schemeClr val="accent1">
-                    <a:shade val="50000"/>
-                  </a:schemeClr>
-                </a:solidFill>
-                <a:prstDash val="solid"/>
-                <a:miter lim="800000"/>
-              </a14:hiddenLine>
-            </a:ext>
-          </a:extLst>
+          <a:ln/>
+          <a:extLst/>
         </p:spPr>
         <p:style>
           <a:lnRef idx="2">
-            <a:schemeClr val="accent1">
-              <a:shade val="50000"/>
-            </a:schemeClr>
+            <a:schemeClr val="dk1"/>
           </a:lnRef>
           <a:fillRef idx="1">
-            <a:schemeClr val="accent1"/>
+            <a:schemeClr val="lt1"/>
           </a:fillRef>
           <a:effectRef idx="0">
-            <a:schemeClr val="accent1"/>
+            <a:schemeClr val="dk1"/>
           </a:effectRef>
           <a:fontRef idx="minor">
-            <a:schemeClr val="lt1"/>
+            <a:schemeClr val="dk1"/>
           </a:fontRef>
         </p:style>
         <p:txBody>
@@ -9444,45 +9180,21 @@
           <a:prstGeom prst="rect">
             <a:avLst/>
           </a:prstGeom>
-          <a:solidFill>
-            <a:schemeClr val="accent1">
-              <a:alpha val="14902"/>
-            </a:schemeClr>
-          </a:solidFill>
-          <a:ln w="12700" cap="flat" cmpd="sng" algn="ctr">
-            <a:noFill/>
-            <a:prstDash val="solid"/>
-            <a:miter lim="800000"/>
-          </a:ln>
-          <a:effectLst/>
-          <a:extLst>
-            <a:ext uri="{91240B29-F687-4F45-9708-019B960494DF}">
-              <a14:hiddenLine xmlns:a14="http://schemas.microsoft.com/office/drawing/2010/main" w="12700" cap="flat" cmpd="sng" algn="ctr">
-                <a:solidFill>
-                  <a:schemeClr val="accent1">
-                    <a:shade val="50000"/>
-                  </a:schemeClr>
-                </a:solidFill>
-                <a:prstDash val="solid"/>
-                <a:miter lim="800000"/>
-              </a14:hiddenLine>
-            </a:ext>
-          </a:extLst>
+          <a:ln/>
+          <a:extLst/>
         </p:spPr>
         <p:style>
           <a:lnRef idx="2">
-            <a:schemeClr val="accent1">
-              <a:shade val="50000"/>
-            </a:schemeClr>
+            <a:schemeClr val="dk1"/>
           </a:lnRef>
           <a:fillRef idx="1">
-            <a:schemeClr val="accent1"/>
+            <a:schemeClr val="lt1"/>
           </a:fillRef>
           <a:effectRef idx="0">
-            <a:schemeClr val="accent1"/>
+            <a:schemeClr val="dk1"/>
           </a:effectRef>
           <a:fontRef idx="minor">
-            <a:schemeClr val="lt1"/>
+            <a:schemeClr val="dk1"/>
           </a:fontRef>
         </p:style>
         <p:txBody>
@@ -9518,45 +9230,21 @@
           <a:prstGeom prst="rect">
             <a:avLst/>
           </a:prstGeom>
-          <a:solidFill>
-            <a:schemeClr val="accent2">
-              <a:alpha val="14902"/>
-            </a:schemeClr>
-          </a:solidFill>
-          <a:ln w="12700" cap="flat" cmpd="sng" algn="ctr">
-            <a:noFill/>
-            <a:prstDash val="solid"/>
-            <a:miter lim="800000"/>
-          </a:ln>
-          <a:effectLst/>
-          <a:extLst>
-            <a:ext uri="{91240B29-F687-4F45-9708-019B960494DF}">
-              <a14:hiddenLine xmlns:a14="http://schemas.microsoft.com/office/drawing/2010/main" w="12700" cap="flat" cmpd="sng" algn="ctr">
-                <a:solidFill>
-                  <a:schemeClr val="accent1">
-                    <a:shade val="50000"/>
-                  </a:schemeClr>
-                </a:solidFill>
-                <a:prstDash val="solid"/>
-                <a:miter lim="800000"/>
-              </a14:hiddenLine>
-            </a:ext>
-          </a:extLst>
+          <a:ln/>
+          <a:extLst/>
         </p:spPr>
         <p:style>
           <a:lnRef idx="2">
-            <a:schemeClr val="accent1">
-              <a:shade val="50000"/>
-            </a:schemeClr>
+            <a:schemeClr val="dk1"/>
           </a:lnRef>
           <a:fillRef idx="1">
-            <a:schemeClr val="accent1"/>
+            <a:schemeClr val="lt1"/>
           </a:fillRef>
           <a:effectRef idx="0">
-            <a:schemeClr val="accent1"/>
+            <a:schemeClr val="dk1"/>
           </a:effectRef>
           <a:fontRef idx="minor">
-            <a:schemeClr val="lt1"/>
+            <a:schemeClr val="dk1"/>
           </a:fontRef>
         </p:style>
         <p:txBody>
@@ -9592,45 +9280,21 @@
           <a:prstGeom prst="rect">
             <a:avLst/>
           </a:prstGeom>
-          <a:solidFill>
-            <a:schemeClr val="accent3">
-              <a:alpha val="14902"/>
-            </a:schemeClr>
-          </a:solidFill>
-          <a:ln w="12700" cap="flat" cmpd="sng" algn="ctr">
-            <a:noFill/>
-            <a:prstDash val="solid"/>
-            <a:miter lim="800000"/>
-          </a:ln>
-          <a:effectLst/>
-          <a:extLst>
-            <a:ext uri="{91240B29-F687-4F45-9708-019B960494DF}">
-              <a14:hiddenLine xmlns:a14="http://schemas.microsoft.com/office/drawing/2010/main" w="12700" cap="flat" cmpd="sng" algn="ctr">
-                <a:solidFill>
-                  <a:schemeClr val="accent1">
-                    <a:shade val="50000"/>
-                  </a:schemeClr>
-                </a:solidFill>
-                <a:prstDash val="solid"/>
-                <a:miter lim="800000"/>
-              </a14:hiddenLine>
-            </a:ext>
-          </a:extLst>
+          <a:ln/>
+          <a:extLst/>
         </p:spPr>
         <p:style>
           <a:lnRef idx="2">
-            <a:schemeClr val="accent1">
-              <a:shade val="50000"/>
-            </a:schemeClr>
+            <a:schemeClr val="dk1"/>
           </a:lnRef>
           <a:fillRef idx="1">
-            <a:schemeClr val="accent1"/>
+            <a:schemeClr val="lt1"/>
           </a:fillRef>
           <a:effectRef idx="0">
-            <a:schemeClr val="accent1"/>
+            <a:schemeClr val="dk1"/>
           </a:effectRef>
           <a:fontRef idx="minor">
-            <a:schemeClr val="lt1"/>
+            <a:schemeClr val="dk1"/>
           </a:fontRef>
         </p:style>
         <p:txBody>
@@ -9666,45 +9330,21 @@
           <a:prstGeom prst="rect">
             <a:avLst/>
           </a:prstGeom>
-          <a:solidFill>
-            <a:schemeClr val="accent4">
-              <a:alpha val="14902"/>
-            </a:schemeClr>
-          </a:solidFill>
-          <a:ln w="12700" cap="flat" cmpd="sng" algn="ctr">
-            <a:noFill/>
-            <a:prstDash val="solid"/>
-            <a:miter lim="800000"/>
-          </a:ln>
-          <a:effectLst/>
-          <a:extLst>
-            <a:ext uri="{91240B29-F687-4F45-9708-019B960494DF}">
-              <a14:hiddenLine xmlns:a14="http://schemas.microsoft.com/office/drawing/2010/main" w="12700" cap="flat" cmpd="sng" algn="ctr">
-                <a:solidFill>
-                  <a:schemeClr val="accent1">
-                    <a:shade val="50000"/>
-                  </a:schemeClr>
-                </a:solidFill>
-                <a:prstDash val="solid"/>
-                <a:miter lim="800000"/>
-              </a14:hiddenLine>
-            </a:ext>
-          </a:extLst>
+          <a:ln/>
+          <a:extLst/>
         </p:spPr>
         <p:style>
           <a:lnRef idx="2">
-            <a:schemeClr val="accent1">
-              <a:shade val="50000"/>
-            </a:schemeClr>
+            <a:schemeClr val="dk1"/>
           </a:lnRef>
           <a:fillRef idx="1">
-            <a:schemeClr val="accent1"/>
+            <a:schemeClr val="lt1"/>
           </a:fillRef>
           <a:effectRef idx="0">
-            <a:schemeClr val="accent1"/>
+            <a:schemeClr val="dk1"/>
           </a:effectRef>
           <a:fontRef idx="minor">
-            <a:schemeClr val="lt1"/>
+            <a:schemeClr val="dk1"/>
           </a:fontRef>
         </p:style>
         <p:txBody>
@@ -9896,45 +9536,21 @@
           <a:prstGeom prst="rect">
             <a:avLst/>
           </a:prstGeom>
-          <a:solidFill>
-            <a:schemeClr val="dk2">
-              <a:alpha val="49804"/>
-            </a:schemeClr>
-          </a:solidFill>
-          <a:ln w="12700" cap="flat" cmpd="sng" algn="ctr">
-            <a:noFill/>
-            <a:prstDash val="solid"/>
-            <a:miter lim="800000"/>
-          </a:ln>
-          <a:effectLst/>
-          <a:extLst>
-            <a:ext uri="{91240B29-F687-4F45-9708-019B960494DF}">
-              <a14:hiddenLine xmlns:a14="http://schemas.microsoft.com/office/drawing/2010/main" w="12700" cap="flat" cmpd="sng" algn="ctr">
-                <a:solidFill>
-                  <a:schemeClr val="accent1">
-                    <a:shade val="50000"/>
-                  </a:schemeClr>
-                </a:solidFill>
-                <a:prstDash val="solid"/>
-                <a:miter lim="800000"/>
-              </a14:hiddenLine>
-            </a:ext>
-          </a:extLst>
+          <a:ln/>
+          <a:extLst/>
         </p:spPr>
         <p:style>
           <a:lnRef idx="2">
-            <a:schemeClr val="accent1">
-              <a:shade val="50000"/>
-            </a:schemeClr>
+            <a:schemeClr val="dk1"/>
           </a:lnRef>
           <a:fillRef idx="1">
-            <a:schemeClr val="accent1"/>
+            <a:schemeClr val="lt1"/>
           </a:fillRef>
           <a:effectRef idx="0">
-            <a:schemeClr val="accent1"/>
+            <a:schemeClr val="dk1"/>
           </a:effectRef>
           <a:fontRef idx="minor">
-            <a:schemeClr val="lt1"/>
+            <a:schemeClr val="dk1"/>
           </a:fontRef>
         </p:style>
         <p:txBody>
@@ -9970,45 +9586,21 @@
           <a:prstGeom prst="rect">
             <a:avLst/>
           </a:prstGeom>
-          <a:solidFill>
-            <a:schemeClr val="accent1">
-              <a:alpha val="49804"/>
-            </a:schemeClr>
-          </a:solidFill>
-          <a:ln w="12700" cap="flat" cmpd="sng" algn="ctr">
-            <a:noFill/>
-            <a:prstDash val="solid"/>
-            <a:miter lim="800000"/>
-          </a:ln>
-          <a:effectLst/>
-          <a:extLst>
-            <a:ext uri="{91240B29-F687-4F45-9708-019B960494DF}">
-              <a14:hiddenLine xmlns:a14="http://schemas.microsoft.com/office/drawing/2010/main" w="12700" cap="flat" cmpd="sng" algn="ctr">
-                <a:solidFill>
-                  <a:schemeClr val="accent1">
-                    <a:shade val="50000"/>
-                  </a:schemeClr>
-                </a:solidFill>
-                <a:prstDash val="solid"/>
-                <a:miter lim="800000"/>
-              </a14:hiddenLine>
-            </a:ext>
-          </a:extLst>
+          <a:ln/>
+          <a:extLst/>
         </p:spPr>
         <p:style>
           <a:lnRef idx="2">
-            <a:schemeClr val="accent1">
-              <a:shade val="50000"/>
-            </a:schemeClr>
+            <a:schemeClr val="dk1"/>
           </a:lnRef>
           <a:fillRef idx="1">
-            <a:schemeClr val="accent1"/>
+            <a:schemeClr val="lt1"/>
           </a:fillRef>
           <a:effectRef idx="0">
-            <a:schemeClr val="accent1"/>
+            <a:schemeClr val="dk1"/>
           </a:effectRef>
           <a:fontRef idx="minor">
-            <a:schemeClr val="lt1"/>
+            <a:schemeClr val="dk1"/>
           </a:fontRef>
         </p:style>
         <p:txBody>
@@ -10044,45 +9636,21 @@
           <a:prstGeom prst="rect">
             <a:avLst/>
           </a:prstGeom>
-          <a:solidFill>
-            <a:schemeClr val="accent2">
-              <a:alpha val="49804"/>
-            </a:schemeClr>
-          </a:solidFill>
-          <a:ln w="12700" cap="flat" cmpd="sng" algn="ctr">
-            <a:noFill/>
-            <a:prstDash val="solid"/>
-            <a:miter lim="800000"/>
-          </a:ln>
-          <a:effectLst/>
-          <a:extLst>
-            <a:ext uri="{91240B29-F687-4F45-9708-019B960494DF}">
-              <a14:hiddenLine xmlns:a14="http://schemas.microsoft.com/office/drawing/2010/main" w="12700" cap="flat" cmpd="sng" algn="ctr">
-                <a:solidFill>
-                  <a:schemeClr val="accent1">
-                    <a:shade val="50000"/>
-                  </a:schemeClr>
-                </a:solidFill>
-                <a:prstDash val="solid"/>
-                <a:miter lim="800000"/>
-              </a14:hiddenLine>
-            </a:ext>
-          </a:extLst>
+          <a:ln/>
+          <a:extLst/>
         </p:spPr>
         <p:style>
           <a:lnRef idx="2">
-            <a:schemeClr val="accent1">
-              <a:shade val="50000"/>
-            </a:schemeClr>
+            <a:schemeClr val="dk1"/>
           </a:lnRef>
           <a:fillRef idx="1">
-            <a:schemeClr val="accent1"/>
+            <a:schemeClr val="lt1"/>
           </a:fillRef>
           <a:effectRef idx="0">
-            <a:schemeClr val="accent1"/>
+            <a:schemeClr val="dk1"/>
           </a:effectRef>
           <a:fontRef idx="minor">
-            <a:schemeClr val="lt1"/>
+            <a:schemeClr val="dk1"/>
           </a:fontRef>
         </p:style>
         <p:txBody>
@@ -10192,45 +9760,21 @@
           <a:prstGeom prst="rect">
             <a:avLst/>
           </a:prstGeom>
-          <a:solidFill>
-            <a:schemeClr val="accent4">
-              <a:alpha val="49804"/>
-            </a:schemeClr>
-          </a:solidFill>
-          <a:ln w="12700" cap="flat" cmpd="sng" algn="ctr">
-            <a:noFill/>
-            <a:prstDash val="solid"/>
-            <a:miter lim="800000"/>
-          </a:ln>
-          <a:effectLst/>
-          <a:extLst>
-            <a:ext uri="{91240B29-F687-4F45-9708-019B960494DF}">
-              <a14:hiddenLine xmlns:a14="http://schemas.microsoft.com/office/drawing/2010/main" w="12700" cap="flat" cmpd="sng" algn="ctr">
-                <a:solidFill>
-                  <a:schemeClr val="accent1">
-                    <a:shade val="50000"/>
-                  </a:schemeClr>
-                </a:solidFill>
-                <a:prstDash val="solid"/>
-                <a:miter lim="800000"/>
-              </a14:hiddenLine>
-            </a:ext>
-          </a:extLst>
+          <a:ln/>
+          <a:extLst/>
         </p:spPr>
         <p:style>
           <a:lnRef idx="2">
-            <a:schemeClr val="accent1">
-              <a:shade val="50000"/>
-            </a:schemeClr>
+            <a:schemeClr val="dk1"/>
           </a:lnRef>
           <a:fillRef idx="1">
-            <a:schemeClr val="accent1"/>
+            <a:schemeClr val="lt1"/>
           </a:fillRef>
           <a:effectRef idx="0">
-            <a:schemeClr val="accent1"/>
+            <a:schemeClr val="dk1"/>
           </a:effectRef>
           <a:fontRef idx="minor">
-            <a:schemeClr val="lt1"/>
+            <a:schemeClr val="dk1"/>
           </a:fontRef>
         </p:style>
         <p:txBody>
@@ -12227,8 +11771,21 @@
           <a:prstGeom prst="rect">
             <a:avLst/>
           </a:prstGeom>
-          <a:noFill/>
-        </p:spPr>
+        </p:spPr>
+        <p:style>
+          <a:lnRef idx="2">
+            <a:schemeClr val="dk1"/>
+          </a:lnRef>
+          <a:fillRef idx="1">
+            <a:schemeClr val="lt1"/>
+          </a:fillRef>
+          <a:effectRef idx="0">
+            <a:schemeClr val="dk1"/>
+          </a:effectRef>
+          <a:fontRef idx="minor">
+            <a:schemeClr val="dk1"/>
+          </a:fontRef>
+        </p:style>
         <p:txBody>
           <a:bodyPr vert="horz" wrap="square" lIns="0" tIns="0" rIns="0" bIns="0" rtlCol="0" anchor="ctr" anchorCtr="0">
             <a:noAutofit/>
@@ -12540,20 +12097,14 @@
           <a:p>
             <a:pPr algn="ctr"/>
             <a:r>
-              <a:rPr lang="en-GB" sz="1000" spc="-12">
+              <a:rPr lang="en-GB" sz="1000" spc="-12" dirty="0">
                 <a:solidFill>
-                  <a:schemeClr val="accent2"/>
+                  <a:schemeClr val="bg1"/>
                 </a:solidFill>
                 <a:latin typeface="Calibri" panose="020F0502020204030204" pitchFamily="34" charset="0"/>
               </a:rPr>
               <a:t>100</a:t>
             </a:r>
-            <a:endParaRPr lang="en-GB" sz="1000" spc="-12" dirty="0">
-              <a:solidFill>
-                <a:schemeClr val="accent2"/>
-              </a:solidFill>
-              <a:latin typeface="Calibri" panose="020F0502020204030204" pitchFamily="34" charset="0"/>
-            </a:endParaRPr>
           </a:p>
         </p:txBody>
       </p:sp>
@@ -12791,9 +12342,9 @@
           <a:p>
             <a:pPr algn="ctr"/>
             <a:r>
-              <a:rPr lang="en-GB" sz="1000" spc="-8">
+              <a:rPr lang="en-GB" sz="1000" spc="-8" dirty="0">
                 <a:solidFill>
-                  <a:schemeClr val="accent2"/>
+                  <a:schemeClr val="bg1"/>
                 </a:solidFill>
                 <a:latin typeface="Calibri" panose="020F0502020204030204" pitchFamily="34" charset="0"/>
               </a:rPr>
@@ -13036,9 +12587,9 @@
           <a:p>
             <a:pPr algn="ctr"/>
             <a:r>
-              <a:rPr lang="en-GB" sz="1000" spc="-8">
+              <a:rPr lang="en-GB" sz="1000" spc="-8" dirty="0">
                 <a:solidFill>
-                  <a:schemeClr val="accent2"/>
+                  <a:schemeClr val="bg1"/>
                 </a:solidFill>
                 <a:latin typeface="Calibri" panose="020F0502020204030204" pitchFamily="34" charset="0"/>
               </a:rPr>
@@ -13283,7 +12834,7 @@
             <a:r>
               <a:rPr lang="en-GB" sz="1000" spc="-8" dirty="0">
                 <a:solidFill>
-                  <a:schemeClr val="accent2"/>
+                  <a:schemeClr val="bg1"/>
                 </a:solidFill>
                 <a:latin typeface="Calibri" panose="020F0502020204030204" pitchFamily="34" charset="0"/>
               </a:rPr>
@@ -13526,9 +13077,9 @@
           <a:p>
             <a:pPr algn="ctr"/>
             <a:r>
-              <a:rPr lang="en-GB" sz="1000" spc="-8">
+              <a:rPr lang="en-GB" sz="1000" spc="-8" dirty="0">
                 <a:solidFill>
-                  <a:schemeClr val="accent2"/>
+                  <a:schemeClr val="bg1"/>
                 </a:solidFill>
                 <a:latin typeface="Calibri" panose="020F0502020204030204" pitchFamily="34" charset="0"/>
               </a:rPr>
@@ -15949,7 +15500,7 @@
             <a:r>
               <a:rPr lang="en-GB" sz="1000" spc="-8" dirty="0">
                 <a:solidFill>
-                  <a:schemeClr val="accent2"/>
+                  <a:schemeClr val="bg1"/>
                 </a:solidFill>
                 <a:latin typeface="Calibri" panose="020F0502020204030204" pitchFamily="34" charset="0"/>
               </a:rPr>
